--- a/집값예상도출.pptx
+++ b/집값예상도출.pptx
@@ -236,7 +236,7 @@
             <a:pPr rtl="0"/>
             <a:fld id="{8F839092-15F8-4C72-A6BC-E11C1D12CDAA}" type="datetime1">
               <a:rPr lang="ko-KR" altLang="en-US" smtClean="0"/>
-              <a:t>2022-09-28</a:t>
+              <a:t>2022-09-29</a:t>
             </a:fld>
             <a:endParaRPr lang="en-US"/>
           </a:p>
@@ -406,7 +406,7 @@
             <a:pPr rtl="0"/>
             <a:fld id="{B834EDFF-C18C-466F-B693-08283F9FE7CF}" type="datetime1">
               <a:rPr lang="ko-KR" altLang="en-US" smtClean="0"/>
-              <a:t>2022-09-28</a:t>
+              <a:t>2022-09-29</a:t>
             </a:fld>
             <a:endParaRPr lang="en-US"/>
           </a:p>
@@ -1163,7 +1163,7 @@
           <a:p>
             <a:fld id="{0421086B-92A0-4D22-94D7-207C8E029793}" type="datetime1">
               <a:rPr lang="ko-KR" altLang="en-US" smtClean="0"/>
-              <a:t>2022-09-28</a:t>
+              <a:t>2022-09-29</a:t>
             </a:fld>
             <a:endParaRPr lang="en-US" dirty="0"/>
           </a:p>
@@ -1416,7 +1416,7 @@
           <a:p>
             <a:fld id="{9AA789D4-F75C-46F1-A8E1-B49D7553F821}" type="datetime1">
               <a:rPr lang="ko-KR" altLang="en-US" smtClean="0"/>
-              <a:t>2022-09-28</a:t>
+              <a:t>2022-09-29</a:t>
             </a:fld>
             <a:endParaRPr lang="en-US"/>
           </a:p>
@@ -1657,7 +1657,7 @@
           <a:p>
             <a:fld id="{6E95217A-41F5-40B0-A1B1-26DD36AFCC5B}" type="datetime1">
               <a:rPr lang="ko-KR" altLang="en-US" smtClean="0"/>
-              <a:t>2022-09-28</a:t>
+              <a:t>2022-09-29</a:t>
             </a:fld>
             <a:endParaRPr lang="en-US"/>
           </a:p>
@@ -1888,7 +1888,7 @@
           <a:p>
             <a:fld id="{2EABA43C-120F-4415-98B3-372D2FECC855}" type="datetime1">
               <a:rPr lang="ko-KR" altLang="en-US" smtClean="0"/>
-              <a:t>2022-09-28</a:t>
+              <a:t>2022-09-29</a:t>
             </a:fld>
             <a:endParaRPr lang="en-US"/>
           </a:p>
@@ -2515,7 +2515,7 @@
           <a:p>
             <a:fld id="{7A3EB572-C624-418B-8597-163D90616FC8}" type="datetime1">
               <a:rPr lang="ko-KR" altLang="en-US" smtClean="0"/>
-              <a:t>2022-09-28</a:t>
+              <a:t>2022-09-29</a:t>
             </a:fld>
             <a:endParaRPr lang="ko-KR" altLang="en-US" dirty="0"/>
           </a:p>
@@ -2885,7 +2885,7 @@
           <a:p>
             <a:fld id="{BE760CE9-DAAA-4235-992F-BD3E0145916A}" type="datetime1">
               <a:rPr lang="ko-KR" altLang="en-US" smtClean="0"/>
-              <a:t>2022-09-28</a:t>
+              <a:t>2022-09-29</a:t>
             </a:fld>
             <a:endParaRPr lang="en-US"/>
           </a:p>
@@ -3385,7 +3385,7 @@
           <a:p>
             <a:fld id="{12DB1AE6-F89A-4A3B-A7FF-0FB649FB73D9}" type="datetime1">
               <a:rPr lang="ko-KR" altLang="en-US" smtClean="0"/>
-              <a:t>2022-09-28</a:t>
+              <a:t>2022-09-29</a:t>
             </a:fld>
             <a:endParaRPr lang="en-US"/>
           </a:p>
@@ -3533,7 +3533,7 @@
           <a:p>
             <a:fld id="{D692FE0A-EA49-4D7D-9497-837FBECB3F6B}" type="datetime1">
               <a:rPr lang="ko-KR" altLang="en-US" smtClean="0"/>
-              <a:t>2022-09-28</a:t>
+              <a:t>2022-09-29</a:t>
             </a:fld>
             <a:endParaRPr lang="en-US"/>
           </a:p>
@@ -3650,7 +3650,7 @@
           <a:p>
             <a:fld id="{56FBB2DF-47A9-40D1-8CCE-28FE2873E83F}" type="datetime1">
               <a:rPr lang="ko-KR" altLang="en-US" smtClean="0"/>
-              <a:t>2022-09-28</a:t>
+              <a:t>2022-09-29</a:t>
             </a:fld>
             <a:endParaRPr lang="en-US"/>
           </a:p>
@@ -4116,7 +4116,7 @@
           <a:p>
             <a:fld id="{490B79C2-6C94-403B-8C2C-F3D94681D3D0}" type="datetime1">
               <a:rPr lang="ko-KR" altLang="en-US" smtClean="0"/>
-              <a:t>2022-09-28</a:t>
+              <a:t>2022-09-29</a:t>
             </a:fld>
             <a:endParaRPr lang="en-US"/>
           </a:p>
@@ -4389,7 +4389,7 @@
           <a:p>
             <a:fld id="{85759F83-5FB7-41EB-8B77-54D18451864A}" type="datetime1">
               <a:rPr lang="ko-KR" altLang="en-US" smtClean="0"/>
-              <a:t>2022-09-28</a:t>
+              <a:t>2022-09-29</a:t>
             </a:fld>
             <a:endParaRPr lang="en-US" dirty="0"/>
           </a:p>
@@ -4937,7 +4937,7 @@
           <a:p>
             <a:fld id="{98D2B5FF-957F-493E-A036-A1B14CB1BDF4}" type="datetime1">
               <a:rPr lang="ko-KR" altLang="en-US" smtClean="0"/>
-              <a:t>2022-09-28</a:t>
+              <a:t>2022-09-29</a:t>
             </a:fld>
             <a:endParaRPr lang="en-US" dirty="0"/>
           </a:p>
@@ -8937,7 +8937,7 @@
                 <a:latin typeface="+mj-ea"/>
                 <a:ea typeface="+mj-ea"/>
               </a:rPr>
-              <a:t>- ‘</a:t>
+              <a:t>- </a:t>
             </a:r>
             <a:r>
               <a:rPr lang="en-US" altLang="ko-KR" sz="2400" b="0" dirty="0" err="1">
@@ -8946,14 +8946,6 @@
                 <a:ea typeface="+mj-ea"/>
               </a:rPr>
               <a:t>SalePrice</a:t>
-            </a:r>
-            <a:r>
-              <a:rPr lang="en-US" altLang="ko-KR" sz="2400" b="0" dirty="0">
-                <a:effectLst/>
-                <a:latin typeface="+mj-ea"/>
-                <a:ea typeface="+mj-ea"/>
-              </a:rPr>
-              <a:t>’</a:t>
             </a:r>
             <a:r>
               <a:rPr lang="ko-KR" altLang="en-US" sz="2400" b="0" dirty="0">

--- a/집값예상도출.pptx
+++ b/집값예상도출.pptx
@@ -236,7 +236,7 @@
             <a:pPr rtl="0"/>
             <a:fld id="{8F839092-15F8-4C72-A6BC-E11C1D12CDAA}" type="datetime1">
               <a:rPr lang="ko-KR" altLang="en-US" smtClean="0"/>
-              <a:t>2022-09-29</a:t>
+              <a:t>2022-10-04</a:t>
             </a:fld>
             <a:endParaRPr lang="en-US"/>
           </a:p>
@@ -406,7 +406,7 @@
             <a:pPr rtl="0"/>
             <a:fld id="{B834EDFF-C18C-466F-B693-08283F9FE7CF}" type="datetime1">
               <a:rPr lang="ko-KR" altLang="en-US" smtClean="0"/>
-              <a:t>2022-09-29</a:t>
+              <a:t>2022-10-04</a:t>
             </a:fld>
             <a:endParaRPr lang="en-US"/>
           </a:p>
@@ -1163,7 +1163,7 @@
           <a:p>
             <a:fld id="{0421086B-92A0-4D22-94D7-207C8E029793}" type="datetime1">
               <a:rPr lang="ko-KR" altLang="en-US" smtClean="0"/>
-              <a:t>2022-09-29</a:t>
+              <a:t>2022-10-04</a:t>
             </a:fld>
             <a:endParaRPr lang="en-US" dirty="0"/>
           </a:p>
@@ -1416,7 +1416,7 @@
           <a:p>
             <a:fld id="{9AA789D4-F75C-46F1-A8E1-B49D7553F821}" type="datetime1">
               <a:rPr lang="ko-KR" altLang="en-US" smtClean="0"/>
-              <a:t>2022-09-29</a:t>
+              <a:t>2022-10-04</a:t>
             </a:fld>
             <a:endParaRPr lang="en-US"/>
           </a:p>
@@ -1657,7 +1657,7 @@
           <a:p>
             <a:fld id="{6E95217A-41F5-40B0-A1B1-26DD36AFCC5B}" type="datetime1">
               <a:rPr lang="ko-KR" altLang="en-US" smtClean="0"/>
-              <a:t>2022-09-29</a:t>
+              <a:t>2022-10-04</a:t>
             </a:fld>
             <a:endParaRPr lang="en-US"/>
           </a:p>
@@ -1888,7 +1888,7 @@
           <a:p>
             <a:fld id="{2EABA43C-120F-4415-98B3-372D2FECC855}" type="datetime1">
               <a:rPr lang="ko-KR" altLang="en-US" smtClean="0"/>
-              <a:t>2022-09-29</a:t>
+              <a:t>2022-10-04</a:t>
             </a:fld>
             <a:endParaRPr lang="en-US"/>
           </a:p>
@@ -2515,7 +2515,7 @@
           <a:p>
             <a:fld id="{7A3EB572-C624-418B-8597-163D90616FC8}" type="datetime1">
               <a:rPr lang="ko-KR" altLang="en-US" smtClean="0"/>
-              <a:t>2022-09-29</a:t>
+              <a:t>2022-10-04</a:t>
             </a:fld>
             <a:endParaRPr lang="ko-KR" altLang="en-US" dirty="0"/>
           </a:p>
@@ -2885,7 +2885,7 @@
           <a:p>
             <a:fld id="{BE760CE9-DAAA-4235-992F-BD3E0145916A}" type="datetime1">
               <a:rPr lang="ko-KR" altLang="en-US" smtClean="0"/>
-              <a:t>2022-09-29</a:t>
+              <a:t>2022-10-04</a:t>
             </a:fld>
             <a:endParaRPr lang="en-US"/>
           </a:p>
@@ -3385,7 +3385,7 @@
           <a:p>
             <a:fld id="{12DB1AE6-F89A-4A3B-A7FF-0FB649FB73D9}" type="datetime1">
               <a:rPr lang="ko-KR" altLang="en-US" smtClean="0"/>
-              <a:t>2022-09-29</a:t>
+              <a:t>2022-10-04</a:t>
             </a:fld>
             <a:endParaRPr lang="en-US"/>
           </a:p>
@@ -3533,7 +3533,7 @@
           <a:p>
             <a:fld id="{D692FE0A-EA49-4D7D-9497-837FBECB3F6B}" type="datetime1">
               <a:rPr lang="ko-KR" altLang="en-US" smtClean="0"/>
-              <a:t>2022-09-29</a:t>
+              <a:t>2022-10-04</a:t>
             </a:fld>
             <a:endParaRPr lang="en-US"/>
           </a:p>
@@ -3650,7 +3650,7 @@
           <a:p>
             <a:fld id="{56FBB2DF-47A9-40D1-8CCE-28FE2873E83F}" type="datetime1">
               <a:rPr lang="ko-KR" altLang="en-US" smtClean="0"/>
-              <a:t>2022-09-29</a:t>
+              <a:t>2022-10-04</a:t>
             </a:fld>
             <a:endParaRPr lang="en-US"/>
           </a:p>
@@ -4116,7 +4116,7 @@
           <a:p>
             <a:fld id="{490B79C2-6C94-403B-8C2C-F3D94681D3D0}" type="datetime1">
               <a:rPr lang="ko-KR" altLang="en-US" smtClean="0"/>
-              <a:t>2022-09-29</a:t>
+              <a:t>2022-10-04</a:t>
             </a:fld>
             <a:endParaRPr lang="en-US"/>
           </a:p>
@@ -4389,7 +4389,7 @@
           <a:p>
             <a:fld id="{85759F83-5FB7-41EB-8B77-54D18451864A}" type="datetime1">
               <a:rPr lang="ko-KR" altLang="en-US" smtClean="0"/>
-              <a:t>2022-09-29</a:t>
+              <a:t>2022-10-04</a:t>
             </a:fld>
             <a:endParaRPr lang="en-US" dirty="0"/>
           </a:p>
@@ -4937,7 +4937,7 @@
           <a:p>
             <a:fld id="{98D2B5FF-957F-493E-A036-A1B14CB1BDF4}" type="datetime1">
               <a:rPr lang="ko-KR" altLang="en-US" smtClean="0"/>
-              <a:t>2022-09-29</a:t>
+              <a:t>2022-10-04</a:t>
             </a:fld>
             <a:endParaRPr lang="en-US" dirty="0"/>
           </a:p>
@@ -7451,7 +7451,22 @@
                 <a:latin typeface="+mj-ea"/>
                 <a:ea typeface="+mj-ea"/>
               </a:rPr>
-              <a:t>범주형 변수와 매매가의 관계를</a:t>
+              <a:t>범주형 변수와 </a:t>
+            </a:r>
+            <a:r>
+              <a:rPr lang="en-US" altLang="ko-KR" sz="2000" dirty="0" err="1">
+                <a:latin typeface="+mj-ea"/>
+                <a:ea typeface="+mj-ea"/>
+              </a:rPr>
+              <a:t>SalePrice</a:t>
+            </a:r>
+            <a:r>
+              <a:rPr lang="ko-KR" altLang="en-US" sz="2000" b="0" dirty="0">
+                <a:effectLst/>
+                <a:latin typeface="+mj-ea"/>
+                <a:ea typeface="+mj-ea"/>
+              </a:rPr>
+              <a:t>의 관계를</a:t>
             </a:r>
             <a:br>
               <a:rPr lang="en-US" altLang="ko-KR" sz="2000" b="0" dirty="0">
@@ -8163,12 +8178,20 @@
               <a:t>- </a:t>
             </a:r>
             <a:r>
+              <a:rPr lang="en-US" altLang="ko-KR" sz="2400" b="0" dirty="0" err="1">
+                <a:effectLst/>
+                <a:latin typeface="+mj-ea"/>
+                <a:ea typeface="+mj-ea"/>
+              </a:rPr>
+              <a:t>SalePrice</a:t>
+            </a:r>
+            <a:r>
               <a:rPr lang="ko-KR" altLang="en-US" sz="2400" b="0" dirty="0">
                 <a:effectLst/>
                 <a:latin typeface="+mj-ea"/>
                 <a:ea typeface="+mj-ea"/>
               </a:rPr>
-              <a:t>매매가와 관련이 큰 변수와</a:t>
+              <a:t>와 관련이 큰 변수와</a:t>
             </a:r>
             <a:br>
               <a:rPr lang="en-US" altLang="ko-KR" sz="2400" b="0" dirty="0">

--- a/집값예상도출.pptx
+++ b/집값예상도출.pptx
@@ -7146,7 +7146,7 @@
           <a:p>
             <a:r>
               <a:rPr lang="ko-KR" altLang="en-US" dirty="0"/>
-              <a:t>범주형 데이터 탐색</a:t>
+              <a:t>범주형 데이터 분석</a:t>
             </a:r>
           </a:p>
         </p:txBody>
@@ -7366,7 +7366,7 @@
           <a:p>
             <a:r>
               <a:rPr lang="ko-KR" altLang="en-US" dirty="0"/>
-              <a:t>범주형 데이터 탐색</a:t>
+              <a:t>범주형 데이터 분석</a:t>
             </a:r>
           </a:p>
         </p:txBody>
@@ -8098,7 +8098,7 @@
           <a:p>
             <a:r>
               <a:rPr lang="ko-KR" altLang="en-US" dirty="0"/>
-              <a:t>분석 후 분리</a:t>
+              <a:t>범주형 데이터 분석</a:t>
             </a:r>
           </a:p>
         </p:txBody>

--- a/집값예상도출.pptx
+++ b/집값예상도출.pptx
@@ -11639,12 +11639,20 @@
               <a:t>- </a:t>
             </a:r>
             <a:r>
+              <a:rPr lang="ko-KR" altLang="en-US" sz="2400" b="0">
+                <a:effectLst/>
+                <a:latin typeface="+mj-ea"/>
+                <a:ea typeface="+mj-ea"/>
+              </a:rPr>
+              <a:t>기존변수와 상관관계가 </a:t>
+            </a:r>
+            <a:r>
               <a:rPr lang="ko-KR" altLang="en-US" sz="2400" b="0" dirty="0">
                 <a:effectLst/>
                 <a:latin typeface="+mj-ea"/>
                 <a:ea typeface="+mj-ea"/>
               </a:rPr>
-              <a:t>상관관계가 얕은 변수 삭제</a:t>
+              <a:t>얕은 변수 삭제</a:t>
             </a:r>
           </a:p>
         </p:txBody>

--- a/집값예상도출.pptx
+++ b/집값예상도출.pptx
@@ -12442,7 +12442,7 @@
                 <a:latin typeface="+mj-ea"/>
                 <a:ea typeface="+mj-ea"/>
               </a:rPr>
-              <a:t>예측된 값에 대한 </a:t>
+              <a:t>훈련된 예측된 값에 대한 </a:t>
             </a:r>
             <a:r>
               <a:rPr lang="en-US" altLang="ko-KR" sz="2400" b="0" dirty="0">
@@ -12652,7 +12652,7 @@
         <p:spPr>
           <a:xfrm>
             <a:off x="5476758" y="1724581"/>
-            <a:ext cx="6406444" cy="830997"/>
+            <a:ext cx="6406444" cy="1200329"/>
           </a:xfrm>
           <a:prstGeom prst="rect">
             <a:avLst/>
@@ -12705,11 +12705,39 @@
               <a:t>  </a:t>
             </a:r>
             <a:r>
+              <a:rPr lang="ko-KR" altLang="en-US" sz="2400" b="0" dirty="0">
+                <a:effectLst/>
+                <a:latin typeface="+mj-ea"/>
+                <a:ea typeface="+mj-ea"/>
+              </a:rPr>
+              <a:t>미세 조정된 </a:t>
+            </a:r>
+            <a:r>
               <a:rPr lang="ko-KR" altLang="en-US" sz="2400" dirty="0">
                 <a:latin typeface="+mj-ea"/>
                 <a:ea typeface="+mj-ea"/>
               </a:rPr>
-              <a:t>예측된 값에 대한 </a:t>
+              <a:t>예측된 값에 대한</a:t>
+            </a:r>
+            <a:br>
+              <a:rPr lang="en-US" altLang="ko-KR" sz="2400" dirty="0">
+                <a:latin typeface="+mj-ea"/>
+                <a:ea typeface="+mj-ea"/>
+              </a:rPr>
+            </a:br>
+            <a:r>
+              <a:rPr lang="en-US" altLang="ko-KR" sz="2400" dirty="0">
+                <a:latin typeface="+mj-ea"/>
+                <a:ea typeface="+mj-ea"/>
+              </a:rPr>
+              <a:t> </a:t>
+            </a:r>
+            <a:r>
+              <a:rPr lang="ko-KR" altLang="en-US" sz="2400" dirty="0">
+                <a:latin typeface="+mj-ea"/>
+                <a:ea typeface="+mj-ea"/>
+              </a:rPr>
+              <a:t> </a:t>
             </a:r>
             <a:r>
               <a:rPr lang="en-US" altLang="ko-KR" sz="2400" dirty="0">

--- a/집값예상도출.pptx
+++ b/집값예상도출.pptx
@@ -8098,7 +8098,7 @@
           <a:p>
             <a:r>
               <a:rPr lang="ko-KR" altLang="en-US" dirty="0"/>
-              <a:t>범주형 데이터 분석</a:t>
+              <a:t>분석 후 분리</a:t>
             </a:r>
           </a:p>
         </p:txBody>
